--- a/presentation/5th_presentation/GreenAI_5th.pptx
+++ b/presentation/5th_presentation/GreenAI_5th.pptx
@@ -4867,6 +4867,22 @@
     </pc:docChg>
   </pc:docChgLst>
   <pc:docChgLst>
+    <pc:chgData name="HUANG LIN" userId="S::s301266@studenti.polito.it::1b5dcee7-0d99-405d-a0f0-637f14b99ad0" providerId="AD" clId="Web-{320DFB42-AB3A-43D0-A938-93D726B4159B}"/>
+    <pc:docChg chg="delSld">
+      <pc:chgData name="HUANG LIN" userId="S::s301266@studenti.polito.it::1b5dcee7-0d99-405d-a0f0-637f14b99ad0" providerId="AD" clId="Web-{320DFB42-AB3A-43D0-A938-93D726B4159B}" dt="2023-05-09T16:32:15.048" v="0"/>
+      <pc:docMkLst>
+        <pc:docMk/>
+      </pc:docMkLst>
+      <pc:sldChg chg="del">
+        <pc:chgData name="HUANG LIN" userId="S::s301266@studenti.polito.it::1b5dcee7-0d99-405d-a0f0-637f14b99ad0" providerId="AD" clId="Web-{320DFB42-AB3A-43D0-A938-93D726B4159B}" dt="2023-05-09T16:32:15.048" v="0"/>
+        <pc:sldMkLst>
+          <pc:docMk/>
+          <pc:sldMk cId="3625760117" sldId="359"/>
+        </pc:sldMkLst>
+      </pc:sldChg>
+    </pc:docChg>
+  </pc:docChgLst>
+  <pc:docChgLst>
     <pc:chgData name="Li  Yangshihao" userId="S::s302568@studenti.polito.it::ee48da2e-17a2-4953-b1e7-564eeca1e514" providerId="AD" clId="Web-{29B38739-F18C-4A97-8E48-F53C74F0D6C9}"/>
     <pc:docChg chg="addSld delSld modSld">
       <pc:chgData name="Li  Yangshihao" userId="S::s302568@studenti.polito.it::ee48da2e-17a2-4953-b1e7-564eeca1e514" providerId="AD" clId="Web-{29B38739-F18C-4A97-8E48-F53C74F0D6C9}" dt="2023-05-09T20:45:32.365" v="126"/>
@@ -4910,22 +4926,6 @@
             <ac:graphicFrameMk id="6" creationId="{3DEF3590-4F19-D115-5DC6-7ABE16C2CF37}"/>
           </ac:graphicFrameMkLst>
         </pc:graphicFrameChg>
-      </pc:sldChg>
-    </pc:docChg>
-  </pc:docChgLst>
-  <pc:docChgLst>
-    <pc:chgData name="HUANG LIN" userId="S::s301266@studenti.polito.it::1b5dcee7-0d99-405d-a0f0-637f14b99ad0" providerId="AD" clId="Web-{320DFB42-AB3A-43D0-A938-93D726B4159B}"/>
-    <pc:docChg chg="delSld">
-      <pc:chgData name="HUANG LIN" userId="S::s301266@studenti.polito.it::1b5dcee7-0d99-405d-a0f0-637f14b99ad0" providerId="AD" clId="Web-{320DFB42-AB3A-43D0-A938-93D726B4159B}" dt="2023-05-09T16:32:15.048" v="0"/>
-      <pc:docMkLst>
-        <pc:docMk/>
-      </pc:docMkLst>
-      <pc:sldChg chg="del">
-        <pc:chgData name="HUANG LIN" userId="S::s301266@studenti.polito.it::1b5dcee7-0d99-405d-a0f0-637f14b99ad0" providerId="AD" clId="Web-{320DFB42-AB3A-43D0-A938-93D726B4159B}" dt="2023-05-09T16:32:15.048" v="0"/>
-        <pc:sldMkLst>
-          <pc:docMk/>
-          <pc:sldMk cId="3625760117" sldId="359"/>
-        </pc:sldMkLst>
       </pc:sldChg>
     </pc:docChg>
   </pc:docChgLst>
@@ -5479,7 +5479,7 @@
           <a:p>
             <a:fld id="{0F9B84EA-7D68-4D60-9CB1-D50884785D1C}" type="datetimeFigureOut">
               <a:rPr lang="zh-CN" altLang="en-US" smtClean="0"/>
-              <a:t>2024/2/1</a:t>
+              <a:t>2024/2/2</a:t>
             </a:fld>
             <a:endParaRPr lang="zh-CN" altLang="en-US"/>
           </a:p>
@@ -5644,7 +5644,7 @@
           <a:p>
             <a:fld id="{E86D8963-CFCD-4740-AF60-049850373CDF}" type="datetimeFigureOut">
               <a:rPr lang="zh-CN" altLang="en-US" smtClean="0"/>
-              <a:t>2024/2/1</a:t>
+              <a:t>2024/2/2</a:t>
             </a:fld>
             <a:endParaRPr lang="zh-CN" altLang="en-US"/>
           </a:p>
@@ -6900,7 +6900,7 @@
           <a:p>
             <a:fld id="{44997768-0F3B-4C42-8732-89CAF429E39F}" type="datetime1">
               <a:rPr lang="zh-CN" altLang="en-US" smtClean="0"/>
-              <a:t>2024/2/1</a:t>
+              <a:t>2024/2/2</a:t>
             </a:fld>
             <a:endParaRPr lang="zh-CN" altLang="en-US"/>
           </a:p>
@@ -7141,7 +7141,7 @@
           <a:p>
             <a:fld id="{B2D0698E-25F7-2942-821D-B02E8F91024F}" type="datetime1">
               <a:rPr lang="zh-CN" altLang="en-US" smtClean="0"/>
-              <a:t>2024/2/1</a:t>
+              <a:t>2024/2/2</a:t>
             </a:fld>
             <a:endParaRPr lang="zh-CN" altLang="en-US"/>
           </a:p>
@@ -8488,7 +8488,7 @@
           <a:p>
             <a:fld id="{6489D9C7-5DC6-4263-87FF-7C99F6FB63C3}" type="datetime1">
               <a:rPr lang="zh-CN" altLang="en-US" smtClean="0"/>
-              <a:t>2024/2/1</a:t>
+              <a:t>2024/2/2</a:t>
             </a:fld>
             <a:endParaRPr lang="zh-CN" altLang="en-US"/>
           </a:p>
@@ -8729,7 +8729,7 @@
           <a:p>
             <a:fld id="{6489D9C7-5DC6-4263-87FF-7C99F6FB63C3}" type="datetime1">
               <a:rPr lang="zh-CN" altLang="en-US" smtClean="0"/>
-              <a:t>2024/2/1</a:t>
+              <a:t>2024/2/2</a:t>
             </a:fld>
             <a:endParaRPr lang="zh-CN" altLang="en-US"/>
           </a:p>
@@ -9635,7 +9635,7 @@
           <a:p>
             <a:fld id="{44997768-0F3B-4C42-8732-89CAF429E39F}" type="datetime1">
               <a:rPr lang="zh-CN" altLang="en-US" smtClean="0"/>
-              <a:t>2024/2/1</a:t>
+              <a:t>2024/2/2</a:t>
             </a:fld>
             <a:endParaRPr lang="zh-CN" altLang="en-US"/>
           </a:p>
@@ -9875,7 +9875,7 @@
           <a:p>
             <a:fld id="{B2D0698E-25F7-2942-821D-B02E8F91024F}" type="datetime1">
               <a:rPr lang="zh-CN" altLang="en-US" smtClean="0"/>
-              <a:t>2024/2/1</a:t>
+              <a:t>2024/2/2</a:t>
             </a:fld>
             <a:endParaRPr lang="zh-CN" altLang="en-US"/>
           </a:p>
@@ -11378,7 +11378,7 @@
           <a:p>
             <a:fld id="{F6DE2F0B-553A-0F46-B53A-381754DB6C4C}" type="datetime1">
               <a:rPr lang="zh-CN" altLang="en-US" smtClean="0"/>
-              <a:t>2024/2/1</a:t>
+              <a:t>2024/2/2</a:t>
             </a:fld>
             <a:endParaRPr lang="zh-CN" altLang="en-US"/>
           </a:p>
@@ -11965,7 +11965,7 @@
           <a:p>
             <a:fld id="{6489D9C7-5DC6-4263-87FF-7C99F6FB63C3}" type="datetime1">
               <a:rPr lang="zh-CN" altLang="en-US" smtClean="0"/>
-              <a:t>2024/2/1</a:t>
+              <a:t>2024/2/2</a:t>
             </a:fld>
             <a:endParaRPr lang="zh-CN" altLang="en-US"/>
           </a:p>
@@ -13092,13 +13092,13 @@
           <p:nvPr>
             <p:extLst>
               <p:ext uri="{D42A27DB-BD31-4B8C-83A1-F6EECF244321}">
-                <p14:modId xmlns:p14="http://schemas.microsoft.com/office/powerpoint/2010/main" val="716998884"/>
+                <p14:modId xmlns:p14="http://schemas.microsoft.com/office/powerpoint/2010/main" val="4069766841"/>
               </p:ext>
             </p:extLst>
           </p:nvPr>
         </p:nvGraphicFramePr>
         <p:xfrm>
-          <a:off x="2697692" y="3011962"/>
+          <a:off x="2608792" y="2570465"/>
           <a:ext cx="8128000" cy="2595880"/>
         </p:xfrm>
         <a:graphic>
@@ -13279,7 +13279,7 @@
                     <a:bodyPr/>
                     <a:lstStyle/>
                     <a:p>
-                      <a:pPr algn="ctr"/>
+                      <a:pPr marL="0" algn="ctr" defTabSz="913765" rtl="0" eaLnBrk="1" latinLnBrk="0" hangingPunct="1"/>
                       <a:r>
                         <a:rPr lang="en-US" altLang="zh-CN" sz="1400" b="0" i="0" kern="1200" dirty="0">
                           <a:solidFill>
@@ -13292,7 +13292,15 @@
                         </a:rPr>
                         <a:t>278.62 M</a:t>
                       </a:r>
-                      <a:endParaRPr lang="zh-CN" altLang="en-US" sz="1400" dirty="0"/>
+                      <a:endParaRPr lang="zh-CN" altLang="en-US" sz="1400" b="0" i="0" kern="1200" dirty="0">
+                        <a:solidFill>
+                          <a:schemeClr val="dk1"/>
+                        </a:solidFill>
+                        <a:effectLst/>
+                        <a:latin typeface="+mn-lt"/>
+                        <a:ea typeface="+mn-ea"/>
+                        <a:cs typeface="+mn-cs"/>
+                      </a:endParaRPr>
                     </a:p>
                   </a:txBody>
                   <a:tcPr/>
@@ -13378,7 +13386,7 @@
                     <a:bodyPr/>
                     <a:lstStyle/>
                     <a:p>
-                      <a:pPr algn="ctr"/>
+                      <a:pPr marL="0" algn="ctr" defTabSz="913765" rtl="0" eaLnBrk="1" latinLnBrk="0" hangingPunct="1"/>
                       <a:r>
                         <a:rPr lang="en-US" altLang="zh-CN" sz="1400" b="0" i="0" kern="1200" dirty="0">
                           <a:solidFill>
@@ -13391,7 +13399,15 @@
                         </a:rPr>
                         <a:t>5.98 M</a:t>
                       </a:r>
-                      <a:endParaRPr lang="zh-CN" altLang="en-US" sz="1400" dirty="0"/>
+                      <a:endParaRPr lang="zh-CN" altLang="en-US" sz="1400" b="0" i="0" kern="1200" dirty="0">
+                        <a:solidFill>
+                          <a:schemeClr val="dk1"/>
+                        </a:solidFill>
+                        <a:effectLst/>
+                        <a:latin typeface="+mn-lt"/>
+                        <a:ea typeface="+mn-ea"/>
+                        <a:cs typeface="+mn-cs"/>
+                      </a:endParaRPr>
                     </a:p>
                   </a:txBody>
                   <a:tcPr/>
@@ -13477,8 +13493,28 @@
                     <a:bodyPr/>
                     <a:lstStyle/>
                     <a:p>
-                      <a:pPr algn="ctr"/>
-                      <a:endParaRPr lang="zh-CN" altLang="en-US" sz="1400" dirty="0"/>
+                      <a:pPr marL="0" algn="ctr" defTabSz="913765" rtl="0" eaLnBrk="1" latinLnBrk="0" hangingPunct="1"/>
+                      <a:r>
+                        <a:rPr lang="en-US" altLang="zh-CN" sz="1400" b="0" i="0" kern="1200" dirty="0">
+                          <a:solidFill>
+                            <a:schemeClr val="dk1"/>
+                          </a:solidFill>
+                          <a:effectLst/>
+                          <a:latin typeface="+mn-lt"/>
+                          <a:ea typeface="+mn-ea"/>
+                          <a:cs typeface="+mn-cs"/>
+                        </a:rPr>
+                        <a:t>124845.577 J</a:t>
+                      </a:r>
+                      <a:endParaRPr lang="zh-CN" altLang="en-US" sz="1400" b="0" i="0" kern="1200" dirty="0">
+                        <a:solidFill>
+                          <a:schemeClr val="dk1"/>
+                        </a:solidFill>
+                        <a:effectLst/>
+                        <a:latin typeface="+mn-lt"/>
+                        <a:ea typeface="+mn-ea"/>
+                        <a:cs typeface="+mn-cs"/>
+                      </a:endParaRPr>
                     </a:p>
                   </a:txBody>
                   <a:tcPr/>
@@ -13564,8 +13600,28 @@
                     <a:bodyPr/>
                     <a:lstStyle/>
                     <a:p>
-                      <a:pPr algn="ctr"/>
-                      <a:endParaRPr lang="zh-CN" altLang="en-US" sz="1400" dirty="0"/>
+                      <a:pPr marL="0" algn="ctr" defTabSz="913765" rtl="0" eaLnBrk="1" latinLnBrk="0" hangingPunct="1"/>
+                      <a:r>
+                        <a:rPr lang="en-US" altLang="zh-CN" sz="1400" b="0" i="0" kern="1200" dirty="0">
+                          <a:solidFill>
+                            <a:schemeClr val="dk1"/>
+                          </a:solidFill>
+                          <a:effectLst/>
+                          <a:latin typeface="+mn-lt"/>
+                          <a:ea typeface="+mn-ea"/>
+                          <a:cs typeface="+mn-cs"/>
+                        </a:rPr>
+                        <a:t>1567.8 s</a:t>
+                      </a:r>
+                      <a:endParaRPr lang="zh-CN" altLang="en-US" sz="1400" b="0" i="0" kern="1200" dirty="0">
+                        <a:solidFill>
+                          <a:schemeClr val="dk1"/>
+                        </a:solidFill>
+                        <a:effectLst/>
+                        <a:latin typeface="+mn-lt"/>
+                        <a:ea typeface="+mn-ea"/>
+                        <a:cs typeface="+mn-cs"/>
+                      </a:endParaRPr>
                     </a:p>
                   </a:txBody>
                   <a:tcPr/>
@@ -13627,8 +13683,28 @@
                     <a:bodyPr/>
                     <a:lstStyle/>
                     <a:p>
-                      <a:pPr algn="ctr"/>
-                      <a:endParaRPr lang="zh-CN" altLang="en-US" sz="1400" dirty="0"/>
+                      <a:pPr marL="0" algn="ctr" defTabSz="913765" rtl="0" eaLnBrk="1" latinLnBrk="0" hangingPunct="1"/>
+                      <a:r>
+                        <a:rPr lang="en-US" altLang="zh-CN" sz="1400" b="0" i="0" kern="1200" dirty="0">
+                          <a:solidFill>
+                            <a:schemeClr val="dk1"/>
+                          </a:solidFill>
+                          <a:effectLst/>
+                          <a:latin typeface="+mn-lt"/>
+                          <a:ea typeface="+mn-ea"/>
+                          <a:cs typeface="+mn-cs"/>
+                        </a:rPr>
+                        <a:t>81.73%</a:t>
+                      </a:r>
+                      <a:endParaRPr lang="zh-CN" altLang="en-US" sz="1400" b="0" i="0" kern="1200" dirty="0">
+                        <a:solidFill>
+                          <a:schemeClr val="dk1"/>
+                        </a:solidFill>
+                        <a:effectLst/>
+                        <a:latin typeface="+mn-lt"/>
+                        <a:ea typeface="+mn-ea"/>
+                        <a:cs typeface="+mn-cs"/>
+                      </a:endParaRPr>
                     </a:p>
                   </a:txBody>
                   <a:tcPr/>
@@ -13714,8 +13790,28 @@
                     <a:bodyPr/>
                     <a:lstStyle/>
                     <a:p>
-                      <a:pPr algn="ctr"/>
-                      <a:endParaRPr lang="zh-CN" altLang="en-US" sz="1400" dirty="0"/>
+                      <a:pPr marL="0" algn="ctr" defTabSz="913765" rtl="0" eaLnBrk="1" latinLnBrk="0" hangingPunct="1"/>
+                      <a:r>
+                        <a:rPr lang="en-US" altLang="zh-CN" sz="1400" b="0" i="0" kern="1200" dirty="0">
+                          <a:solidFill>
+                            <a:schemeClr val="dk1"/>
+                          </a:solidFill>
+                          <a:effectLst/>
+                          <a:latin typeface="+mn-lt"/>
+                          <a:ea typeface="+mn-ea"/>
+                          <a:cs typeface="+mn-cs"/>
+                        </a:rPr>
+                        <a:t>81.88%</a:t>
+                      </a:r>
+                      <a:endParaRPr lang="zh-CN" altLang="en-US" sz="1400" b="0" i="0" kern="1200" dirty="0">
+                        <a:solidFill>
+                          <a:schemeClr val="dk1"/>
+                        </a:solidFill>
+                        <a:effectLst/>
+                        <a:latin typeface="+mn-lt"/>
+                        <a:ea typeface="+mn-ea"/>
+                        <a:cs typeface="+mn-cs"/>
+                      </a:endParaRPr>
                     </a:p>
                   </a:txBody>
                   <a:tcPr/>
@@ -13744,7 +13840,7 @@
         </p:nvSpPr>
         <p:spPr>
           <a:xfrm>
-            <a:off x="939800" y="2035777"/>
+            <a:off x="850900" y="1594280"/>
             <a:ext cx="2736647" cy="584775"/>
           </a:xfrm>
           <a:prstGeom prst="rect">
@@ -13791,7 +13887,7 @@
         </p:nvSpPr>
         <p:spPr>
           <a:xfrm>
-            <a:off x="939800" y="2617969"/>
+            <a:off x="850900" y="2176472"/>
             <a:ext cx="2303836" cy="338554"/>
           </a:xfrm>
           <a:prstGeom prst="rect">
@@ -13827,7 +13923,7 @@
         </p:nvSpPr>
         <p:spPr>
           <a:xfrm>
-            <a:off x="2056468" y="3426476"/>
+            <a:off x="1967568" y="2984979"/>
             <a:ext cx="673582" cy="307777"/>
           </a:xfrm>
           <a:prstGeom prst="rect">
@@ -13863,7 +13959,7 @@
         </p:nvSpPr>
         <p:spPr>
           <a:xfrm>
-            <a:off x="758824" y="3781392"/>
+            <a:off x="669924" y="3339895"/>
             <a:ext cx="2044149" cy="307777"/>
           </a:xfrm>
           <a:prstGeom prst="rect">
@@ -13898,7 +13994,7 @@
         </p:nvSpPr>
         <p:spPr>
           <a:xfrm>
-            <a:off x="952040" y="4174218"/>
+            <a:off x="863140" y="3732721"/>
             <a:ext cx="1826141" cy="307777"/>
           </a:xfrm>
           <a:prstGeom prst="rect">
@@ -13934,7 +14030,7 @@
         </p:nvSpPr>
         <p:spPr>
           <a:xfrm>
-            <a:off x="1124338" y="4529661"/>
+            <a:off x="1035438" y="4088164"/>
             <a:ext cx="1649554" cy="307777"/>
           </a:xfrm>
           <a:prstGeom prst="rect">
@@ -13970,7 +14066,7 @@
         </p:nvSpPr>
         <p:spPr>
           <a:xfrm>
-            <a:off x="831915" y="5280616"/>
+            <a:off x="743015" y="4839119"/>
             <a:ext cx="1935145" cy="307777"/>
           </a:xfrm>
           <a:prstGeom prst="rect">
@@ -14006,7 +14102,7 @@
         </p:nvSpPr>
         <p:spPr>
           <a:xfrm>
-            <a:off x="768415" y="4910504"/>
+            <a:off x="679515" y="4469007"/>
             <a:ext cx="1994457" cy="307777"/>
           </a:xfrm>
           <a:prstGeom prst="rect">
@@ -14084,7 +14180,7 @@
         </p:nvSpPr>
         <p:spPr>
           <a:xfrm>
-            <a:off x="3104040" y="5594168"/>
+            <a:off x="3015140" y="5152671"/>
             <a:ext cx="7604774" cy="276999"/>
           </a:xfrm>
           <a:prstGeom prst="rect">
@@ -14286,7 +14382,7 @@
         </p:nvSpPr>
         <p:spPr>
           <a:xfrm>
-            <a:off x="669924" y="1142484"/>
+            <a:off x="496710" y="1152226"/>
             <a:ext cx="782587" cy="307777"/>
           </a:xfrm>
           <a:prstGeom prst="rect">
@@ -14322,7 +14418,7 @@
         </p:nvSpPr>
         <p:spPr>
           <a:xfrm>
-            <a:off x="3970033" y="1143516"/>
+            <a:off x="450737" y="3991837"/>
             <a:ext cx="828560" cy="307777"/>
           </a:xfrm>
           <a:prstGeom prst="rect">
@@ -14358,7 +14454,7 @@
         </p:nvSpPr>
         <p:spPr>
           <a:xfrm>
-            <a:off x="8051800" y="1142484"/>
+            <a:off x="5671054" y="1150661"/>
             <a:ext cx="1010213" cy="307777"/>
           </a:xfrm>
           <a:prstGeom prst="rect">
@@ -14401,8 +14497,8 @@
         </p:blipFill>
         <p:spPr>
           <a:xfrm>
-            <a:off x="8051800" y="1450261"/>
-            <a:ext cx="3048000" cy="2273905"/>
+            <a:off x="5985612" y="1503767"/>
+            <a:ext cx="2211064" cy="1649524"/>
           </a:xfrm>
           <a:prstGeom prst="rect">
             <a:avLst/>
@@ -14431,8 +14527,8 @@
         </p:blipFill>
         <p:spPr>
           <a:xfrm>
-            <a:off x="607312" y="1450261"/>
-            <a:ext cx="3048000" cy="2273905"/>
+            <a:off x="450737" y="1589045"/>
+            <a:ext cx="2110868" cy="1574775"/>
           </a:xfrm>
           <a:prstGeom prst="rect">
             <a:avLst/>
@@ -14461,8 +14557,8 @@
         </p:blipFill>
         <p:spPr>
           <a:xfrm>
-            <a:off x="4268116" y="1450261"/>
-            <a:ext cx="3047999" cy="2273904"/>
+            <a:off x="450738" y="4383548"/>
+            <a:ext cx="2110868" cy="1574775"/>
           </a:xfrm>
           <a:prstGeom prst="rect">
             <a:avLst/>
@@ -14491,8 +14587,8 @@
         </p:blipFill>
         <p:spPr>
           <a:xfrm>
-            <a:off x="313399" y="4145727"/>
-            <a:ext cx="3635825" cy="2086032"/>
+            <a:off x="2829746" y="1653048"/>
+            <a:ext cx="2354644" cy="1350962"/>
           </a:xfrm>
           <a:prstGeom prst="rect">
             <a:avLst/>
@@ -14521,8 +14617,8 @@
         </p:blipFill>
         <p:spPr>
           <a:xfrm>
-            <a:off x="7776025" y="4145726"/>
-            <a:ext cx="3635825" cy="2086032"/>
+            <a:off x="8973763" y="1653050"/>
+            <a:ext cx="2354640" cy="1350960"/>
           </a:xfrm>
           <a:prstGeom prst="rect">
             <a:avLst/>
@@ -14551,8 +14647,8 @@
         </p:blipFill>
         <p:spPr>
           <a:xfrm>
-            <a:off x="4044712" y="4145726"/>
-            <a:ext cx="3635825" cy="2086032"/>
+            <a:off x="2829746" y="4368498"/>
+            <a:ext cx="2446479" cy="1403652"/>
           </a:xfrm>
           <a:prstGeom prst="rect">
             <a:avLst/>
@@ -14568,13 +14664,15 @@
               </a:ext>
             </a:extLst>
           </p:cNvPr>
-          <p:cNvCxnSpPr/>
+          <p:cNvCxnSpPr>
+            <a:cxnSpLocks/>
+          </p:cNvCxnSpPr>
           <p:nvPr/>
         </p:nvCxnSpPr>
         <p:spPr>
           <a:xfrm flipV="1">
-            <a:off x="3970033" y="1085850"/>
-            <a:ext cx="0" cy="5461000"/>
+            <a:off x="5510734" y="1142484"/>
+            <a:ext cx="0" cy="4989006"/>
           </a:xfrm>
           <a:prstGeom prst="line">
             <a:avLst/>
@@ -14604,13 +14702,15 @@
               </a:ext>
             </a:extLst>
           </p:cNvPr>
-          <p:cNvCxnSpPr/>
+          <p:cNvCxnSpPr>
+            <a:cxnSpLocks/>
+          </p:cNvCxnSpPr>
           <p:nvPr/>
         </p:nvCxnSpPr>
         <p:spPr>
-          <a:xfrm flipV="1">
-            <a:off x="7783658" y="1142484"/>
-            <a:ext cx="0" cy="5461000"/>
+          <a:xfrm flipH="1">
+            <a:off x="450737" y="3724166"/>
+            <a:ext cx="11069750" cy="0"/>
           </a:xfrm>
           <a:prstGeom prst="line">
             <a:avLst/>
@@ -14631,6 +14731,102 @@
           </a:fontRef>
         </p:style>
       </p:cxnSp>
+      <p:sp>
+        <p:nvSpPr>
+          <p:cNvPr id="9" name="文本框 8">
+            <a:extLst>
+              <a:ext uri="{FF2B5EF4-FFF2-40B4-BE49-F238E27FC236}">
+                <a16:creationId xmlns:a16="http://schemas.microsoft.com/office/drawing/2014/main" id="{0F0CF19B-A9AC-BC51-A4E2-B9F1D8D651A8}"/>
+              </a:ext>
+            </a:extLst>
+          </p:cNvPr>
+          <p:cNvSpPr txBox="1"/>
+          <p:nvPr/>
+        </p:nvSpPr>
+        <p:spPr>
+          <a:xfrm>
+            <a:off x="5671053" y="3991836"/>
+            <a:ext cx="1099981" cy="307777"/>
+          </a:xfrm>
+          <a:prstGeom prst="rect">
+            <a:avLst/>
+          </a:prstGeom>
+          <a:noFill/>
+        </p:spPr>
+        <p:txBody>
+          <a:bodyPr wrap="none" rtlCol="0">
+            <a:spAutoFit/>
+          </a:bodyPr>
+          <a:lstStyle/>
+          <a:p>
+            <a:r>
+              <a:rPr kumimoji="1" lang="en-US" altLang="zh-CN" sz="1400" dirty="0" err="1"/>
+              <a:t>GoogLeNet</a:t>
+            </a:r>
+            <a:endParaRPr kumimoji="1" lang="en-US" altLang="zh-CN" sz="1400" dirty="0"/>
+          </a:p>
+        </p:txBody>
+      </p:sp>
+      <p:pic>
+        <p:nvPicPr>
+          <p:cNvPr id="10" name="图片 9">
+            <a:extLst>
+              <a:ext uri="{FF2B5EF4-FFF2-40B4-BE49-F238E27FC236}">
+                <a16:creationId xmlns:a16="http://schemas.microsoft.com/office/drawing/2014/main" id="{B53F260F-1CB5-1ECE-66A7-BF563BD0F03E}"/>
+              </a:ext>
+            </a:extLst>
+          </p:cNvPr>
+          <p:cNvPicPr>
+            <a:picLocks noChangeAspect="1"/>
+          </p:cNvPicPr>
+          <p:nvPr/>
+        </p:nvPicPr>
+        <p:blipFill>
+          <a:blip r:embed="rId10"/>
+          <a:stretch>
+            <a:fillRect/>
+          </a:stretch>
+        </p:blipFill>
+        <p:spPr>
+          <a:xfrm>
+            <a:off x="5900974" y="4303905"/>
+            <a:ext cx="2324379" cy="1734060"/>
+          </a:xfrm>
+          <a:prstGeom prst="rect">
+            <a:avLst/>
+          </a:prstGeom>
+        </p:spPr>
+      </p:pic>
+      <p:pic>
+        <p:nvPicPr>
+          <p:cNvPr id="11" name="图片 10">
+            <a:extLst>
+              <a:ext uri="{FF2B5EF4-FFF2-40B4-BE49-F238E27FC236}">
+                <a16:creationId xmlns:a16="http://schemas.microsoft.com/office/drawing/2014/main" id="{2388ADD0-EE16-E656-7443-BF0E2A3163BD}"/>
+              </a:ext>
+            </a:extLst>
+          </p:cNvPr>
+          <p:cNvPicPr>
+            <a:picLocks noChangeAspect="1"/>
+          </p:cNvPicPr>
+          <p:nvPr/>
+        </p:nvPicPr>
+        <p:blipFill>
+          <a:blip r:embed="rId11"/>
+          <a:stretch>
+            <a:fillRect/>
+          </a:stretch>
+        </p:blipFill>
+        <p:spPr>
+          <a:xfrm>
+            <a:off x="8973763" y="4444323"/>
+            <a:ext cx="2354640" cy="1342258"/>
+          </a:xfrm>
+          <a:prstGeom prst="rect">
+            <a:avLst/>
+          </a:prstGeom>
+        </p:spPr>
+      </p:pic>
     </p:spTree>
     <p:extLst>
       <p:ext uri="{BB962C8B-B14F-4D97-AF65-F5344CB8AC3E}">
@@ -14693,7 +14889,7 @@
           <a:p>
             <a:r>
               <a:rPr lang="en-US" altLang="zh-CN" dirty="0"/>
-              <a:t>Time consumption of each part of simulation</a:t>
+              <a:t>Average time &amp; energy consumption, train &amp; test acc</a:t>
             </a:r>
             <a:endParaRPr lang="zh-CN" altLang="en-US" dirty="0"/>
           </a:p>
@@ -14775,7 +14971,7 @@
         </p:nvSpPr>
         <p:spPr>
           <a:xfrm>
-            <a:off x="669924" y="1142484"/>
+            <a:off x="890371" y="1277790"/>
             <a:ext cx="782587" cy="307777"/>
           </a:xfrm>
           <a:prstGeom prst="rect">
@@ -14811,7 +15007,7 @@
         </p:nvSpPr>
         <p:spPr>
           <a:xfrm>
-            <a:off x="3970033" y="1143516"/>
+            <a:off x="844398" y="4046156"/>
             <a:ext cx="828560" cy="307777"/>
           </a:xfrm>
           <a:prstGeom prst="rect">
@@ -14847,7 +15043,7 @@
         </p:nvSpPr>
         <p:spPr>
           <a:xfrm>
-            <a:off x="8051800" y="1142484"/>
+            <a:off x="6117772" y="1277790"/>
             <a:ext cx="1010213" cy="307777"/>
           </a:xfrm>
           <a:prstGeom prst="rect">
@@ -14882,7 +15078,7 @@
         </p:nvCxnSpPr>
         <p:spPr>
           <a:xfrm flipV="1">
-            <a:off x="3970033" y="1085850"/>
+            <a:off x="5836411" y="1098376"/>
             <a:ext cx="0" cy="5461000"/>
           </a:xfrm>
           <a:prstGeom prst="line">
@@ -14913,13 +15109,15 @@
               </a:ext>
             </a:extLst>
           </p:cNvPr>
-          <p:cNvCxnSpPr/>
+          <p:cNvCxnSpPr>
+            <a:cxnSpLocks/>
+          </p:cNvCxnSpPr>
           <p:nvPr/>
         </p:nvCxnSpPr>
         <p:spPr>
-          <a:xfrm flipV="1">
-            <a:off x="7783658" y="1142484"/>
-            <a:ext cx="0" cy="5461000"/>
+          <a:xfrm flipH="1">
+            <a:off x="465035" y="3739268"/>
+            <a:ext cx="11177907" cy="0"/>
           </a:xfrm>
           <a:prstGeom prst="line">
             <a:avLst/>
@@ -14962,8 +15160,8 @@
         </p:blipFill>
         <p:spPr>
           <a:xfrm>
-            <a:off x="8264748" y="1480636"/>
-            <a:ext cx="3109880" cy="2423732"/>
+            <a:off x="6117772" y="1728845"/>
+            <a:ext cx="1991173" cy="1551851"/>
           </a:xfrm>
           <a:prstGeom prst="rect">
             <a:avLst/>
@@ -14992,8 +15190,8 @@
         </p:blipFill>
         <p:spPr>
           <a:xfrm>
-            <a:off x="8264748" y="3985245"/>
-            <a:ext cx="3109869" cy="2197190"/>
+            <a:off x="9059073" y="1793677"/>
+            <a:ext cx="2012939" cy="1422186"/>
           </a:xfrm>
           <a:prstGeom prst="rect">
             <a:avLst/>
@@ -15022,8 +15220,8 @@
         </p:blipFill>
         <p:spPr>
           <a:xfrm>
-            <a:off x="748871" y="1450261"/>
-            <a:ext cx="2911230" cy="2273532"/>
+            <a:off x="977547" y="1706104"/>
+            <a:ext cx="1964390" cy="1534095"/>
           </a:xfrm>
           <a:prstGeom prst="rect">
             <a:avLst/>
@@ -15052,8 +15250,8 @@
         </p:blipFill>
         <p:spPr>
           <a:xfrm>
-            <a:off x="641458" y="3873644"/>
-            <a:ext cx="3178461" cy="2273899"/>
+            <a:off x="3251869" y="1728845"/>
+            <a:ext cx="2144363" cy="1534096"/>
           </a:xfrm>
           <a:prstGeom prst="rect">
             <a:avLst/>
@@ -15082,8 +15280,8 @@
         </p:blipFill>
         <p:spPr>
           <a:xfrm>
-            <a:off x="4279966" y="1450261"/>
-            <a:ext cx="3181349" cy="2484482"/>
+            <a:off x="844398" y="4418493"/>
+            <a:ext cx="2230688" cy="1742061"/>
           </a:xfrm>
           <a:prstGeom prst="rect">
             <a:avLst/>
@@ -15112,8 +15310,104 @@
         </p:blipFill>
         <p:spPr>
           <a:xfrm>
-            <a:off x="4292377" y="3934743"/>
-            <a:ext cx="3181349" cy="2247692"/>
+            <a:off x="3171238" y="4454537"/>
+            <a:ext cx="2305624" cy="1628973"/>
+          </a:xfrm>
+          <a:prstGeom prst="rect">
+            <a:avLst/>
+          </a:prstGeom>
+        </p:spPr>
+      </p:pic>
+      <p:pic>
+        <p:nvPicPr>
+          <p:cNvPr id="18" name="图片 17">
+            <a:extLst>
+              <a:ext uri="{FF2B5EF4-FFF2-40B4-BE49-F238E27FC236}">
+                <a16:creationId xmlns:a16="http://schemas.microsoft.com/office/drawing/2014/main" id="{18BBC904-E8D8-B07C-AC47-AEF86B2C953F}"/>
+              </a:ext>
+            </a:extLst>
+          </p:cNvPr>
+          <p:cNvPicPr>
+            <a:picLocks noChangeAspect="1"/>
+          </p:cNvPicPr>
+          <p:nvPr/>
+        </p:nvPicPr>
+        <p:blipFill>
+          <a:blip r:embed="rId10"/>
+          <a:stretch>
+            <a:fillRect/>
+          </a:stretch>
+        </p:blipFill>
+        <p:spPr>
+          <a:xfrm>
+            <a:off x="6075467" y="4394529"/>
+            <a:ext cx="2162720" cy="1688981"/>
+          </a:xfrm>
+          <a:prstGeom prst="rect">
+            <a:avLst/>
+          </a:prstGeom>
+        </p:spPr>
+      </p:pic>
+      <p:sp>
+        <p:nvSpPr>
+          <p:cNvPr id="19" name="文本框 18">
+            <a:extLst>
+              <a:ext uri="{FF2B5EF4-FFF2-40B4-BE49-F238E27FC236}">
+                <a16:creationId xmlns:a16="http://schemas.microsoft.com/office/drawing/2014/main" id="{788A8E38-5DB2-D757-4293-E951BD051DA8}"/>
+              </a:ext>
+            </a:extLst>
+          </p:cNvPr>
+          <p:cNvSpPr txBox="1"/>
+          <p:nvPr/>
+        </p:nvSpPr>
+        <p:spPr>
+          <a:xfrm>
+            <a:off x="6075467" y="4046156"/>
+            <a:ext cx="1099981" cy="307777"/>
+          </a:xfrm>
+          <a:prstGeom prst="rect">
+            <a:avLst/>
+          </a:prstGeom>
+          <a:noFill/>
+        </p:spPr>
+        <p:txBody>
+          <a:bodyPr wrap="none" rtlCol="0">
+            <a:spAutoFit/>
+          </a:bodyPr>
+          <a:lstStyle/>
+          <a:p>
+            <a:r>
+              <a:rPr kumimoji="1" lang="en-US" altLang="zh-CN" sz="1400" dirty="0" err="1"/>
+              <a:t>GoogLeNet</a:t>
+            </a:r>
+            <a:endParaRPr kumimoji="1" lang="en-US" altLang="zh-CN" sz="1400" dirty="0"/>
+          </a:p>
+        </p:txBody>
+      </p:sp>
+      <p:pic>
+        <p:nvPicPr>
+          <p:cNvPr id="20" name="图片 19">
+            <a:extLst>
+              <a:ext uri="{FF2B5EF4-FFF2-40B4-BE49-F238E27FC236}">
+                <a16:creationId xmlns:a16="http://schemas.microsoft.com/office/drawing/2014/main" id="{B16FEC25-4240-0243-615D-F0FE9BB67E6A}"/>
+              </a:ext>
+            </a:extLst>
+          </p:cNvPr>
+          <p:cNvPicPr>
+            <a:picLocks noChangeAspect="1"/>
+          </p:cNvPicPr>
+          <p:nvPr/>
+        </p:nvPicPr>
+        <p:blipFill>
+          <a:blip r:embed="rId11"/>
+          <a:stretch>
+            <a:fillRect/>
+          </a:stretch>
+        </p:blipFill>
+        <p:spPr>
+          <a:xfrm>
+            <a:off x="8975638" y="4388861"/>
+            <a:ext cx="2096376" cy="1540056"/>
           </a:xfrm>
           <a:prstGeom prst="rect">
             <a:avLst/>
@@ -15182,7 +15476,7 @@
           <a:p>
             <a:r>
               <a:rPr lang="en-US" altLang="zh-CN" dirty="0"/>
-              <a:t>Next step</a:t>
+              <a:t>Simulation result</a:t>
             </a:r>
             <a:endParaRPr lang="zh-CN" altLang="en-US" dirty="0"/>
           </a:p>
@@ -15235,8 +15529,8 @@
         </p:nvSpPr>
         <p:spPr>
           <a:xfrm>
-            <a:off x="669924" y="1383784"/>
-            <a:ext cx="2574926" cy="523220"/>
+            <a:off x="807710" y="1239735"/>
+            <a:ext cx="9193404" cy="2246769"/>
           </a:xfrm>
           <a:prstGeom prst="rect">
             <a:avLst/>
@@ -15249,18 +15543,118 @@
           </a:bodyPr>
           <a:lstStyle/>
           <a:p>
-            <a:r>
-              <a:rPr lang="en-US" altLang="zh-CN" sz="1400" dirty="0"/>
-              <a:t>More dataset to test</a:t>
-            </a:r>
-          </a:p>
-          <a:p>
+            <a:pPr marL="342900" indent="-342900">
+              <a:buAutoNum type="arabicPeriod"/>
+            </a:pPr>
             <a:r>
               <a:rPr lang="en-US" altLang="zh-CN" sz="1400" dirty="0">
                 <a:cs typeface="Times New Roman" panose="02020603050405020304" pitchFamily="18" charset="0"/>
               </a:rPr>
-              <a:t>More epoch to test</a:t>
+              <a:t>For deep learning models, using synchronize can perfectly measure time consumption of each step during the training part. </a:t>
             </a:r>
+          </a:p>
+          <a:p>
+            <a:pPr marL="342900" indent="-342900">
+              <a:buAutoNum type="arabicPeriod"/>
+            </a:pPr>
+            <a:r>
+              <a:rPr lang="en-US" altLang="zh-CN" sz="1400" dirty="0">
+                <a:cs typeface="Times New Roman" panose="02020603050405020304" pitchFamily="18" charset="0"/>
+              </a:rPr>
+              <a:t>All the data are using average values of 10 rounds simulation, with each round contains 10 epochs. And the average time consumption results of each epoch in different deep learning models are almost the same with a variation less than 1 second. </a:t>
+            </a:r>
+          </a:p>
+          <a:p>
+            <a:pPr marL="342900" indent="-342900">
+              <a:buAutoNum type="arabicPeriod"/>
+            </a:pPr>
+            <a:r>
+              <a:rPr lang="en-US" altLang="zh-CN" sz="1400" dirty="0">
+                <a:cs typeface="Times New Roman" panose="02020603050405020304" pitchFamily="18" charset="0"/>
+              </a:rPr>
+              <a:t>During the training part, the two most time-consuming parts are the backward and the forward.</a:t>
+            </a:r>
+          </a:p>
+          <a:p>
+            <a:pPr marL="342900" indent="-342900">
+              <a:buAutoNum type="arabicPeriod"/>
+            </a:pPr>
+            <a:r>
+              <a:rPr lang="en-US" altLang="zh-CN" sz="1400" dirty="0">
+                <a:cs typeface="Times New Roman" panose="02020603050405020304" pitchFamily="18" charset="0"/>
+              </a:rPr>
+              <a:t>The MACs</a:t>
+            </a:r>
+            <a:r>
+              <a:rPr kumimoji="1" lang="en-US" altLang="zh-CN" sz="1400" dirty="0"/>
+              <a:t>(Multiply-Accumulate Operations) can be used as a parameter to do the energy consumption prediction of given deep learning model.</a:t>
+            </a:r>
+          </a:p>
+          <a:p>
+            <a:pPr marL="342900" indent="-342900">
+              <a:buAutoNum type="arabicPeriod"/>
+            </a:pPr>
+            <a:r>
+              <a:rPr kumimoji="1" lang="en-US" altLang="zh-CN" sz="1400" dirty="0"/>
+              <a:t>In the table presented in the first slide, the Resnet and VGG have better test accuracy than </a:t>
+            </a:r>
+            <a:r>
+              <a:rPr kumimoji="1" lang="en-US" altLang="zh-CN" sz="1400" dirty="0" err="1"/>
+              <a:t>Alexnet</a:t>
+            </a:r>
+            <a:r>
+              <a:rPr kumimoji="1" lang="en-US" altLang="zh-CN" sz="1400" dirty="0"/>
+              <a:t> about 2% but consuming over 3 times energy, might be due to the dataset.</a:t>
+            </a:r>
+          </a:p>
+        </p:txBody>
+      </p:sp>
+      <p:sp>
+        <p:nvSpPr>
+          <p:cNvPr id="2" name="文本框 1">
+            <a:extLst>
+              <a:ext uri="{FF2B5EF4-FFF2-40B4-BE49-F238E27FC236}">
+                <a16:creationId xmlns:a16="http://schemas.microsoft.com/office/drawing/2014/main" id="{F2298F26-D259-A8E9-D2B6-C67C209BC581}"/>
+              </a:ext>
+            </a:extLst>
+          </p:cNvPr>
+          <p:cNvSpPr txBox="1"/>
+          <p:nvPr/>
+        </p:nvSpPr>
+        <p:spPr>
+          <a:xfrm>
+            <a:off x="807710" y="4133589"/>
+            <a:ext cx="4020331" cy="523220"/>
+          </a:xfrm>
+          <a:prstGeom prst="rect">
+            <a:avLst/>
+          </a:prstGeom>
+          <a:noFill/>
+        </p:spPr>
+        <p:txBody>
+          <a:bodyPr wrap="none" rtlCol="0">
+            <a:spAutoFit/>
+          </a:bodyPr>
+          <a:lstStyle/>
+          <a:p>
+            <a:r>
+              <a:rPr kumimoji="1" lang="en-US" altLang="zh-CN" sz="1400" dirty="0"/>
+              <a:t>Next step:</a:t>
+            </a:r>
+          </a:p>
+          <a:p>
+            <a:pPr marL="342900" indent="-342900">
+              <a:buAutoNum type="arabicPeriod"/>
+            </a:pPr>
+            <a:r>
+              <a:rPr kumimoji="1" lang="en-US" altLang="zh-CN" sz="1400" dirty="0"/>
+              <a:t>Try to find different dataset to test the </a:t>
+            </a:r>
+            <a:r>
+              <a:rPr kumimoji="1" lang="en-US" altLang="zh-CN" sz="1400"/>
+              <a:t>result.</a:t>
+            </a:r>
+            <a:endParaRPr kumimoji="1" lang="en-US" altLang="zh-CN" sz="1400" dirty="0"/>
           </a:p>
         </p:txBody>
       </p:sp>
